--- a/基础PPT/第14章：Java注解简介.pptx
+++ b/基础PPT/第14章：Java注解简介.pptx
@@ -5,20 +5,14 @@
     <p:sldMasterId id="2147483648" r:id="rId1"/>
   </p:sldMasterIdLst>
   <p:notesMasterIdLst>
-    <p:notesMasterId r:id="rId14"/>
+    <p:notesMasterId r:id="rId8"/>
   </p:notesMasterIdLst>
   <p:sldIdLst>
     <p:sldId id="660" r:id="rId3"/>
     <p:sldId id="661" r:id="rId4"/>
     <p:sldId id="681" r:id="rId5"/>
-    <p:sldId id="682" r:id="rId6"/>
-    <p:sldId id="683" r:id="rId7"/>
-    <p:sldId id="684" r:id="rId8"/>
-    <p:sldId id="685" r:id="rId9"/>
-    <p:sldId id="686" r:id="rId10"/>
-    <p:sldId id="687" r:id="rId11"/>
-    <p:sldId id="688" r:id="rId12"/>
-    <p:sldId id="662" r:id="rId13"/>
+    <p:sldId id="688" r:id="rId6"/>
+    <p:sldId id="662" r:id="rId7"/>
   </p:sldIdLst>
   <p:sldSz cx="12192000" cy="6858000"/>
   <p:notesSz cx="6858000" cy="9144000"/>
@@ -6350,70 +6344,6 @@
 </p:sld>
 </file>
 
-<file path=ppt/slides/slide10.xml><?xml version="1.0" encoding="utf-8"?>
-<p:sld xmlns:a="http://schemas.openxmlformats.org/drawingml/2006/main" xmlns:r="http://schemas.openxmlformats.org/officeDocument/2006/relationships" xmlns:p="http://schemas.openxmlformats.org/presentationml/2006/main">
-  <p:cSld>
-    <p:bg>
-      <p:bgPr>
-        <a:blipFill rotWithShape="1">
-          <a:blip r:embed="rId1"/>
-          <a:stretch>
-            <a:fillRect/>
-          </a:stretch>
-        </a:blipFill>
-        <a:effectLst/>
-      </p:bgPr>
-    </p:bg>
-    <p:spTree>
-      <p:nvGrpSpPr>
-        <p:cNvPr id="1" name=""/>
-        <p:cNvGrpSpPr/>
-        <p:nvPr/>
-      </p:nvGrpSpPr>
-      <p:grpSpPr/>
-    </p:spTree>
-    <p:custDataLst>
-      <p:tags r:id="rId2"/>
-    </p:custDataLst>
-  </p:cSld>
-  <p:clrMapOvr>
-    <a:masterClrMapping/>
-  </p:clrMapOvr>
-</p:sld>
-</file>
-
-<file path=ppt/slides/slide11.xml><?xml version="1.0" encoding="utf-8"?>
-<p:sld xmlns:a="http://schemas.openxmlformats.org/drawingml/2006/main" xmlns:r="http://schemas.openxmlformats.org/officeDocument/2006/relationships" xmlns:p="http://schemas.openxmlformats.org/presentationml/2006/main">
-  <p:cSld>
-    <p:bg>
-      <p:bgPr>
-        <a:blipFill rotWithShape="1">
-          <a:blip r:embed="rId1"/>
-          <a:stretch>
-            <a:fillRect/>
-          </a:stretch>
-        </a:blipFill>
-        <a:effectLst/>
-      </p:bgPr>
-    </p:bg>
-    <p:spTree>
-      <p:nvGrpSpPr>
-        <p:cNvPr id="1" name=""/>
-        <p:cNvGrpSpPr/>
-        <p:nvPr/>
-      </p:nvGrpSpPr>
-      <p:grpSpPr/>
-    </p:spTree>
-    <p:custDataLst>
-      <p:tags r:id="rId2"/>
-    </p:custDataLst>
-  </p:cSld>
-  <p:clrMapOvr>
-    <a:masterClrMapping/>
-  </p:clrMapOvr>
-</p:sld>
-</file>
-
 <file path=ppt/slides/slide2.xml><?xml version="1.0" encoding="utf-8"?>
 <p:sld xmlns:a="http://schemas.openxmlformats.org/drawingml/2006/main" xmlns:r="http://schemas.openxmlformats.org/officeDocument/2006/relationships" xmlns:p="http://schemas.openxmlformats.org/presentationml/2006/main">
   <p:cSld>
@@ -7220,134 +7150,6 @@
 </p:sld>
 </file>
 
-<file path=ppt/slides/slide6.xml><?xml version="1.0" encoding="utf-8"?>
-<p:sld xmlns:a="http://schemas.openxmlformats.org/drawingml/2006/main" xmlns:r="http://schemas.openxmlformats.org/officeDocument/2006/relationships" xmlns:p="http://schemas.openxmlformats.org/presentationml/2006/main">
-  <p:cSld>
-    <p:bg>
-      <p:bgPr>
-        <a:blipFill rotWithShape="1">
-          <a:blip r:embed="rId1"/>
-          <a:stretch>
-            <a:fillRect/>
-          </a:stretch>
-        </a:blipFill>
-        <a:effectLst/>
-      </p:bgPr>
-    </p:bg>
-    <p:spTree>
-      <p:nvGrpSpPr>
-        <p:cNvPr id="1" name=""/>
-        <p:cNvGrpSpPr/>
-        <p:nvPr/>
-      </p:nvGrpSpPr>
-      <p:grpSpPr/>
-    </p:spTree>
-    <p:custDataLst>
-      <p:tags r:id="rId2"/>
-    </p:custDataLst>
-  </p:cSld>
-  <p:clrMapOvr>
-    <a:masterClrMapping/>
-  </p:clrMapOvr>
-</p:sld>
-</file>
-
-<file path=ppt/slides/slide7.xml><?xml version="1.0" encoding="utf-8"?>
-<p:sld xmlns:a="http://schemas.openxmlformats.org/drawingml/2006/main" xmlns:r="http://schemas.openxmlformats.org/officeDocument/2006/relationships" xmlns:p="http://schemas.openxmlformats.org/presentationml/2006/main">
-  <p:cSld>
-    <p:bg>
-      <p:bgPr>
-        <a:blipFill rotWithShape="1">
-          <a:blip r:embed="rId1"/>
-          <a:stretch>
-            <a:fillRect/>
-          </a:stretch>
-        </a:blipFill>
-        <a:effectLst/>
-      </p:bgPr>
-    </p:bg>
-    <p:spTree>
-      <p:nvGrpSpPr>
-        <p:cNvPr id="1" name=""/>
-        <p:cNvGrpSpPr/>
-        <p:nvPr/>
-      </p:nvGrpSpPr>
-      <p:grpSpPr/>
-    </p:spTree>
-    <p:custDataLst>
-      <p:tags r:id="rId2"/>
-    </p:custDataLst>
-  </p:cSld>
-  <p:clrMapOvr>
-    <a:masterClrMapping/>
-  </p:clrMapOvr>
-</p:sld>
-</file>
-
-<file path=ppt/slides/slide8.xml><?xml version="1.0" encoding="utf-8"?>
-<p:sld xmlns:a="http://schemas.openxmlformats.org/drawingml/2006/main" xmlns:r="http://schemas.openxmlformats.org/officeDocument/2006/relationships" xmlns:p="http://schemas.openxmlformats.org/presentationml/2006/main">
-  <p:cSld>
-    <p:bg>
-      <p:bgPr>
-        <a:blipFill rotWithShape="1">
-          <a:blip r:embed="rId1"/>
-          <a:stretch>
-            <a:fillRect/>
-          </a:stretch>
-        </a:blipFill>
-        <a:effectLst/>
-      </p:bgPr>
-    </p:bg>
-    <p:spTree>
-      <p:nvGrpSpPr>
-        <p:cNvPr id="1" name=""/>
-        <p:cNvGrpSpPr/>
-        <p:nvPr/>
-      </p:nvGrpSpPr>
-      <p:grpSpPr/>
-    </p:spTree>
-    <p:custDataLst>
-      <p:tags r:id="rId2"/>
-    </p:custDataLst>
-  </p:cSld>
-  <p:clrMapOvr>
-    <a:masterClrMapping/>
-  </p:clrMapOvr>
-</p:sld>
-</file>
-
-<file path=ppt/slides/slide9.xml><?xml version="1.0" encoding="utf-8"?>
-<p:sld xmlns:a="http://schemas.openxmlformats.org/drawingml/2006/main" xmlns:r="http://schemas.openxmlformats.org/officeDocument/2006/relationships" xmlns:p="http://schemas.openxmlformats.org/presentationml/2006/main">
-  <p:cSld>
-    <p:bg>
-      <p:bgPr>
-        <a:blipFill rotWithShape="1">
-          <a:blip r:embed="rId1"/>
-          <a:stretch>
-            <a:fillRect/>
-          </a:stretch>
-        </a:blipFill>
-        <a:effectLst/>
-      </p:bgPr>
-    </p:bg>
-    <p:spTree>
-      <p:nvGrpSpPr>
-        <p:cNvPr id="1" name=""/>
-        <p:cNvGrpSpPr/>
-        <p:nvPr/>
-      </p:nvGrpSpPr>
-      <p:grpSpPr/>
-    </p:spTree>
-    <p:custDataLst>
-      <p:tags r:id="rId2"/>
-    </p:custDataLst>
-  </p:cSld>
-  <p:clrMapOvr>
-    <a:masterClrMapping/>
-  </p:clrMapOvr>
-</p:sld>
-</file>
-
 <file path=ppt/tags/tag1.xml><?xml version="1.0" encoding="utf-8"?>
 <p:tagLst xmlns:p="http://schemas.openxmlformats.org/presentationml/2006/main">
   <p:tag name="KSO_WM_UNIT_HIGHLIGHT" val="0"/>
@@ -8395,60 +8197,6 @@
 </file>
 
 <file path=ppt/tags/tag82.xml><?xml version="1.0" encoding="utf-8"?>
-<p:tagLst xmlns:p="http://schemas.openxmlformats.org/presentationml/2006/main">
-  <p:tag name="KSO_WM_BEAUTIFY_FLAG" val="#wm#"/>
-  <p:tag name="KSO_WM_TEMPLATE_CATEGORY" val="custom"/>
-  <p:tag name="KSO_WM_TEMPLATE_INDEX" val="20203858"/>
-  <p:tag name="KSO_WM_SPECIAL_SOURCE" val="bdnull"/>
-</p:tagLst>
-</file>
-
-<file path=ppt/tags/tag83.xml><?xml version="1.0" encoding="utf-8"?>
-<p:tagLst xmlns:p="http://schemas.openxmlformats.org/presentationml/2006/main">
-  <p:tag name="KSO_WM_BEAUTIFY_FLAG" val="#wm#"/>
-  <p:tag name="KSO_WM_TEMPLATE_CATEGORY" val="custom"/>
-  <p:tag name="KSO_WM_TEMPLATE_INDEX" val="20203858"/>
-  <p:tag name="KSO_WM_SPECIAL_SOURCE" val="bdnull"/>
-</p:tagLst>
-</file>
-
-<file path=ppt/tags/tag84.xml><?xml version="1.0" encoding="utf-8"?>
-<p:tagLst xmlns:p="http://schemas.openxmlformats.org/presentationml/2006/main">
-  <p:tag name="KSO_WM_BEAUTIFY_FLAG" val="#wm#"/>
-  <p:tag name="KSO_WM_TEMPLATE_CATEGORY" val="custom"/>
-  <p:tag name="KSO_WM_TEMPLATE_INDEX" val="20203858"/>
-  <p:tag name="KSO_WM_SPECIAL_SOURCE" val="bdnull"/>
-</p:tagLst>
-</file>
-
-<file path=ppt/tags/tag85.xml><?xml version="1.0" encoding="utf-8"?>
-<p:tagLst xmlns:p="http://schemas.openxmlformats.org/presentationml/2006/main">
-  <p:tag name="KSO_WM_BEAUTIFY_FLAG" val="#wm#"/>
-  <p:tag name="KSO_WM_TEMPLATE_CATEGORY" val="custom"/>
-  <p:tag name="KSO_WM_TEMPLATE_INDEX" val="20203858"/>
-  <p:tag name="KSO_WM_SPECIAL_SOURCE" val="bdnull"/>
-</p:tagLst>
-</file>
-
-<file path=ppt/tags/tag86.xml><?xml version="1.0" encoding="utf-8"?>
-<p:tagLst xmlns:p="http://schemas.openxmlformats.org/presentationml/2006/main">
-  <p:tag name="KSO_WM_BEAUTIFY_FLAG" val="#wm#"/>
-  <p:tag name="KSO_WM_TEMPLATE_CATEGORY" val="custom"/>
-  <p:tag name="KSO_WM_TEMPLATE_INDEX" val="20203858"/>
-  <p:tag name="KSO_WM_SPECIAL_SOURCE" val="bdnull"/>
-</p:tagLst>
-</file>
-
-<file path=ppt/tags/tag87.xml><?xml version="1.0" encoding="utf-8"?>
-<p:tagLst xmlns:p="http://schemas.openxmlformats.org/presentationml/2006/main">
-  <p:tag name="KSO_WM_BEAUTIFY_FLAG" val="#wm#"/>
-  <p:tag name="KSO_WM_TEMPLATE_CATEGORY" val="custom"/>
-  <p:tag name="KSO_WM_TEMPLATE_INDEX" val="20203858"/>
-  <p:tag name="KSO_WM_SPECIAL_SOURCE" val="bdnull"/>
-</p:tagLst>
-</file>
-
-<file path=ppt/tags/tag88.xml><?xml version="1.0" encoding="utf-8"?>
 <p:tagLst xmlns:p="http://schemas.openxmlformats.org/presentationml/2006/main">
   <p:tag name="KSO_WM_BEAUTIFY_FLAG" val="#wm#"/>
   <p:tag name="KSO_WM_TEMPLATE_CATEGORY" val="custom"/>

--- a/基础PPT/第14章：Java注解简介.pptx
+++ b/基础PPT/第14章：Java注解简介.pptx
@@ -6799,12 +6799,42 @@
           </a:bodyPr>
           <a:p>
             <a:r>
+              <a:rPr lang="zh-CN" altLang="en-US" sz="1600" b="1">
+                <a:solidFill>
+                  <a:srgbClr val="FF0000"/>
+                </a:solidFill>
+                <a:latin typeface="宋体" panose="02010600030101010101" pitchFamily="2" charset="-122"/>
+                <a:ea typeface="宋体" panose="02010600030101010101" pitchFamily="2" charset="-122"/>
+                <a:cs typeface="宋体" panose="02010600030101010101" pitchFamily="2" charset="-122"/>
+              </a:rPr>
+              <a:t>元注解</a:t>
+            </a:r>
+            <a:r>
               <a:rPr lang="zh-CN" altLang="en-US" sz="1600">
                 <a:latin typeface="宋体" panose="02010600030101010101" pitchFamily="2" charset="-122"/>
                 <a:ea typeface="宋体" panose="02010600030101010101" pitchFamily="2" charset="-122"/>
                 <a:cs typeface="宋体" panose="02010600030101010101" pitchFamily="2" charset="-122"/>
               </a:rPr>
-              <a:t>元注解是指注解的注解。包括  @Retention @Target @Document @Inherited四种。</a:t>
+              <a:t>是指注解的注解。包括 </a:t>
+            </a:r>
+            <a:r>
+              <a:rPr lang="zh-CN" altLang="en-US" sz="1600" b="1">
+                <a:solidFill>
+                  <a:srgbClr val="FF0000"/>
+                </a:solidFill>
+                <a:latin typeface="宋体" panose="02010600030101010101" pitchFamily="2" charset="-122"/>
+                <a:ea typeface="宋体" panose="02010600030101010101" pitchFamily="2" charset="-122"/>
+                <a:cs typeface="宋体" panose="02010600030101010101" pitchFamily="2" charset="-122"/>
+              </a:rPr>
+              <a:t> @Retention @Target @Document @Inherited</a:t>
+            </a:r>
+            <a:r>
+              <a:rPr lang="zh-CN" altLang="en-US" sz="1600">
+                <a:latin typeface="宋体" panose="02010600030101010101" pitchFamily="2" charset="-122"/>
+                <a:ea typeface="宋体" panose="02010600030101010101" pitchFamily="2" charset="-122"/>
+                <a:cs typeface="宋体" panose="02010600030101010101" pitchFamily="2" charset="-122"/>
+              </a:rPr>
+              <a:t>四种。</a:t>
             </a:r>
             <a:endParaRPr lang="zh-CN" altLang="en-US" sz="1600">
               <a:latin typeface="宋体" panose="02010600030101010101" pitchFamily="2" charset="-122"/>
